--- a/Database.pptx
+++ b/Database.pptx
@@ -5,7 +5,7 @@
     <p:sldMasterId id="2147483648" r:id="rId1"/>
   </p:sldMasterIdLst>
   <p:sldIdLst>
-    <p:sldId id="256" r:id="rId2"/>
+    <p:sldId id="263" r:id="rId2"/>
     <p:sldId id="257" r:id="rId3"/>
     <p:sldId id="258" r:id="rId4"/>
     <p:sldId id="259" r:id="rId5"/>
@@ -110,6 +110,11 @@
       </a:defRPr>
     </a:lvl9pPr>
   </p:defaultTextStyle>
+  <p:extLst>
+    <p:ext uri="{EFAFB233-063F-42B5-8137-9DF3F51BA10A}">
+      <p15:sldGuideLst xmlns:p15="http://schemas.microsoft.com/office/powerpoint/2012/main"/>
+    </p:ext>
+  </p:extLst>
 </p:presentation>
 </file>
 
@@ -3348,10 +3353,94 @@
           <a:chExt cx="0" cy="0"/>
         </a:xfrm>
       </p:grpSpPr>
+      <p:sp>
+        <p:nvSpPr>
+          <p:cNvPr id="2" name="Titel 1">
+            <a:extLst>
+              <a:ext uri="{FF2B5EF4-FFF2-40B4-BE49-F238E27FC236}">
+                <a16:creationId xmlns:a16="http://schemas.microsoft.com/office/drawing/2014/main" id="{7D5382A4-9B48-4B76-A495-77C8215C5665}"/>
+              </a:ext>
+            </a:extLst>
+          </p:cNvPr>
+          <p:cNvSpPr>
+            <a:spLocks noGrp="1"/>
+          </p:cNvSpPr>
+          <p:nvPr>
+            <p:ph type="ctrTitle"/>
+          </p:nvPr>
+        </p:nvSpPr>
+        <p:spPr/>
+        <p:txBody>
+          <a:bodyPr/>
+          <a:lstStyle/>
+          <a:p>
+            <a:r>
+              <a:rPr lang="en-GB" dirty="0" err="1"/>
+              <a:t>Bólkur</a:t>
+            </a:r>
+            <a:r>
+              <a:rPr lang="en-GB" dirty="0"/>
+              <a:t> 6</a:t>
+            </a:r>
+          </a:p>
+        </p:txBody>
+      </p:sp>
+      <p:sp>
+        <p:nvSpPr>
+          <p:cNvPr id="3" name="Undertitel 2">
+            <a:extLst>
+              <a:ext uri="{FF2B5EF4-FFF2-40B4-BE49-F238E27FC236}">
+                <a16:creationId xmlns:a16="http://schemas.microsoft.com/office/drawing/2014/main" id="{175D9424-47F8-4F58-8002-5EEFAFFE14A5}"/>
+              </a:ext>
+            </a:extLst>
+          </p:cNvPr>
+          <p:cNvSpPr>
+            <a:spLocks noGrp="1"/>
+          </p:cNvSpPr>
+          <p:nvPr>
+            <p:ph type="subTitle" idx="1"/>
+          </p:nvPr>
+        </p:nvSpPr>
+        <p:spPr/>
+        <p:txBody>
+          <a:bodyPr/>
+          <a:lstStyle/>
+          <a:p>
+            <a:pPr marL="342900" indent="-342900" algn="l">
+              <a:buFont typeface="Arial" panose="020B0604020202020204" pitchFamily="34" charset="0"/>
+              <a:buChar char="•"/>
+            </a:pPr>
+            <a:r>
+              <a:rPr lang="en-GB" dirty="0"/>
+              <a:t>ER-Diagram</a:t>
+            </a:r>
+          </a:p>
+          <a:p>
+            <a:pPr marL="342900" indent="-342900" algn="l">
+              <a:buFont typeface="Arial" panose="020B0604020202020204" pitchFamily="34" charset="0"/>
+              <a:buChar char="•"/>
+            </a:pPr>
+            <a:r>
+              <a:rPr lang="en-GB" dirty="0"/>
+              <a:t>Table-Diagram</a:t>
+            </a:r>
+          </a:p>
+          <a:p>
+            <a:pPr marL="342900" indent="-342900" algn="l">
+              <a:buFont typeface="Arial" panose="020B0604020202020204" pitchFamily="34" charset="0"/>
+              <a:buChar char="•"/>
+            </a:pPr>
+            <a:r>
+              <a:rPr lang="en-GB" dirty="0"/>
+              <a:t>GUI</a:t>
+            </a:r>
+          </a:p>
+        </p:txBody>
+      </p:sp>
     </p:spTree>
     <p:extLst>
       <p:ext uri="{BB962C8B-B14F-4D97-AF65-F5344CB8AC3E}">
-        <p14:creationId xmlns:p14="http://schemas.microsoft.com/office/powerpoint/2010/main" val="464115829"/>
+        <p14:creationId xmlns:p14="http://schemas.microsoft.com/office/powerpoint/2010/main" val="2136406829"/>
       </p:ext>
     </p:extLst>
   </p:cSld>
